--- a/Software_Poster.pptx
+++ b/Software_Poster.pptx
@@ -19140,7 +19140,7 @@
         <p:spPr>
           <a:xfrm>
             <a:off x="20553916" y="15188677"/>
-            <a:ext cx="6701366" cy="1322162"/>
+            <a:ext cx="7665484" cy="1046061"/>
           </a:xfrm>
           <a:prstGeom prst="rect">
             <a:avLst/>
@@ -19290,32 +19290,34 @@
             </a:lvl9pPr>
           </a:lstStyle>
           <a:p>
-            <a:r>
-              <a:rPr lang="en-US" dirty="0"/>
-              <a:t>G</a:t>
-            </a:r>
-            <a:r>
-              <a:rPr lang="en-US" altLang="zh-CN" dirty="0"/>
-              <a:t>roup Presentation:</a:t>
-            </a:r>
             <a:endParaRPr lang="en-US" dirty="0"/>
           </a:p>
           <a:p>
             <a:r>
               <a:rPr lang="en-US" dirty="0"/>
-              <a:t>https://share.weiyun.com/Uf6Hy6O4</a:t>
+              <a:t>Git</a:t>
+            </a:r>
+            <a:r>
+              <a:rPr lang="en-US" altLang="zh-CN" dirty="0"/>
+              <a:t>H</a:t>
+            </a:r>
+            <a:r>
+              <a:rPr lang="en-US" dirty="0"/>
+              <a:t>ub Address: </a:t>
             </a:r>
           </a:p>
           <a:p>
             <a:r>
               <a:rPr lang="en-US" dirty="0"/>
-              <a:t>Gitlab Address: (Require Login)</a:t>
+              <a:t>https://</a:t>
             </a:r>
-          </a:p>
-          <a:p>
+            <a:r>
+              <a:rPr lang="en-US" dirty="0" err="1"/>
+              <a:t>github.com</a:t>
+            </a:r>
             <a:r>
               <a:rPr lang="en-US" dirty="0"/>
-              <a:t>https://csgitlab.ucd.ie/comp2008j-group-17/</a:t>
+              <a:t>/WangHewei16/Woodpecker-IELTS-English-Word-Desktop-Software</a:t>
             </a:r>
           </a:p>
         </p:txBody>
